--- a/presentation/datastructure_presentation.pptx
+++ b/presentation/datastructure_presentation.pptx
@@ -6,6 +6,10 @@
   </p:sldMasterIdLst>
   <p:sldIdLst>
     <p:sldId id="256" r:id="rId2"/>
+    <p:sldId id="257" r:id="rId3"/>
+    <p:sldId id="258" r:id="rId4"/>
+    <p:sldId id="259" r:id="rId5"/>
+    <p:sldId id="260" r:id="rId6"/>
   </p:sldIdLst>
   <p:sldSz cx="12192000" cy="6858000"/>
   <p:notesSz cx="6858000" cy="9144000"/>
@@ -104,6 +108,11 @@
       </a:defRPr>
     </a:lvl9pPr>
   </p:defaultTextStyle>
+  <p:extLst>
+    <p:ext uri="{EFAFB233-063F-42B5-8137-9DF3F51BA10A}">
+      <p15:sldGuideLst xmlns:p15="http://schemas.microsoft.com/office/powerpoint/2012/main"/>
+    </p:ext>
+  </p:extLst>
 </p:presentation>
 </file>
 
@@ -296,7 +305,7 @@
             <a:fld id="{B61BEF0D-F0BB-DE4B-95CE-6DB70DBA9567}" type="datetimeFigureOut">
               <a:rPr lang="en-US" dirty="0"/>
               <a:pPr/>
-              <a:t>4/6/16</a:t>
+              <a:t>4/20/16</a:t>
             </a:fld>
             <a:endParaRPr lang="en-US" dirty="0"/>
           </a:p>
@@ -631,7 +640,7 @@
             <a:fld id="{B61BEF0D-F0BB-DE4B-95CE-6DB70DBA9567}" type="datetimeFigureOut">
               <a:rPr lang="en-US" dirty="0"/>
               <a:pPr/>
-              <a:t>4/6/16</a:t>
+              <a:t>4/20/16</a:t>
             </a:fld>
             <a:endParaRPr lang="en-US" dirty="0"/>
           </a:p>
@@ -1029,7 +1038,7 @@
             <a:fld id="{B61BEF0D-F0BB-DE4B-95CE-6DB70DBA9567}" type="datetimeFigureOut">
               <a:rPr lang="en-US" dirty="0"/>
               <a:pPr/>
-              <a:t>4/6/16</a:t>
+              <a:t>4/20/16</a:t>
             </a:fld>
             <a:endParaRPr lang="en-US" dirty="0"/>
           </a:p>
@@ -1362,7 +1371,7 @@
             <a:fld id="{B61BEF0D-F0BB-DE4B-95CE-6DB70DBA9567}" type="datetimeFigureOut">
               <a:rPr lang="en-US" dirty="0"/>
               <a:pPr/>
-              <a:t>4/6/16</a:t>
+              <a:t>4/20/16</a:t>
             </a:fld>
             <a:endParaRPr lang="en-US" dirty="0"/>
           </a:p>
@@ -1679,7 +1688,7 @@
             <a:fld id="{B61BEF0D-F0BB-DE4B-95CE-6DB70DBA9567}" type="datetimeFigureOut">
               <a:rPr lang="en-US" dirty="0"/>
               <a:pPr/>
-              <a:t>4/6/16</a:t>
+              <a:t>4/20/16</a:t>
             </a:fld>
             <a:endParaRPr lang="en-US" dirty="0"/>
           </a:p>
@@ -2072,7 +2081,7 @@
             <a:fld id="{B61BEF0D-F0BB-DE4B-95CE-6DB70DBA9567}" type="datetimeFigureOut">
               <a:rPr lang="en-US" dirty="0"/>
               <a:pPr/>
-              <a:t>4/6/16</a:t>
+              <a:t>4/20/16</a:t>
             </a:fld>
             <a:endParaRPr lang="en-US" dirty="0"/>
           </a:p>
@@ -2326,7 +2335,7 @@
             <a:fld id="{B61BEF0D-F0BB-DE4B-95CE-6DB70DBA9567}" type="datetimeFigureOut">
               <a:rPr lang="en-US" dirty="0"/>
               <a:pPr/>
-              <a:t>4/6/16</a:t>
+              <a:t>4/20/16</a:t>
             </a:fld>
             <a:endParaRPr lang="en-US" dirty="0"/>
           </a:p>
@@ -2585,7 +2594,7 @@
             <a:fld id="{B61BEF0D-F0BB-DE4B-95CE-6DB70DBA9567}" type="datetimeFigureOut">
               <a:rPr lang="en-US" dirty="0"/>
               <a:pPr/>
-              <a:t>4/6/16</a:t>
+              <a:t>4/20/16</a:t>
             </a:fld>
             <a:endParaRPr lang="en-US" dirty="0"/>
           </a:p>
@@ -2844,7 +2853,7 @@
             <a:fld id="{B61BEF0D-F0BB-DE4B-95CE-6DB70DBA9567}" type="datetimeFigureOut">
               <a:rPr lang="en-US" dirty="0"/>
               <a:pPr/>
-              <a:t>4/6/16</a:t>
+              <a:t>4/20/16</a:t>
             </a:fld>
             <a:endParaRPr lang="en-US" dirty="0"/>
           </a:p>
@@ -3170,7 +3179,7 @@
             <a:fld id="{B61BEF0D-F0BB-DE4B-95CE-6DB70DBA9567}" type="datetimeFigureOut">
               <a:rPr lang="en-US" dirty="0"/>
               <a:pPr/>
-              <a:t>4/6/16</a:t>
+              <a:t>4/20/16</a:t>
             </a:fld>
             <a:endParaRPr lang="en-US" dirty="0"/>
           </a:p>
@@ -3490,7 +3499,7 @@
             <a:fld id="{B61BEF0D-F0BB-DE4B-95CE-6DB70DBA9567}" type="datetimeFigureOut">
               <a:rPr lang="en-US" dirty="0"/>
               <a:pPr/>
-              <a:t>4/6/16</a:t>
+              <a:t>4/20/16</a:t>
             </a:fld>
             <a:endParaRPr lang="en-US" dirty="0"/>
           </a:p>
@@ -3944,7 +3953,7 @@
             <a:fld id="{B61BEF0D-F0BB-DE4B-95CE-6DB70DBA9567}" type="datetimeFigureOut">
               <a:rPr lang="en-US" dirty="0"/>
               <a:pPr/>
-              <a:t>4/6/16</a:t>
+              <a:t>4/20/16</a:t>
             </a:fld>
             <a:endParaRPr lang="en-US" dirty="0"/>
           </a:p>
@@ -4146,7 +4155,7 @@
             <a:fld id="{B61BEF0D-F0BB-DE4B-95CE-6DB70DBA9567}" type="datetimeFigureOut">
               <a:rPr lang="en-US" dirty="0"/>
               <a:pPr/>
-              <a:t>4/6/16</a:t>
+              <a:t>4/20/16</a:t>
             </a:fld>
             <a:endParaRPr lang="en-US" dirty="0"/>
           </a:p>
@@ -4320,7 +4329,7 @@
             <a:fld id="{B61BEF0D-F0BB-DE4B-95CE-6DB70DBA9567}" type="datetimeFigureOut">
               <a:rPr lang="en-US" dirty="0"/>
               <a:pPr/>
-              <a:t>4/6/16</a:t>
+              <a:t>4/20/16</a:t>
             </a:fld>
             <a:endParaRPr lang="en-US" dirty="0"/>
           </a:p>
@@ -4650,7 +4659,7 @@
             <a:fld id="{B61BEF0D-F0BB-DE4B-95CE-6DB70DBA9567}" type="datetimeFigureOut">
               <a:rPr lang="en-US" dirty="0"/>
               <a:pPr/>
-              <a:t>4/6/16</a:t>
+              <a:t>4/20/16</a:t>
             </a:fld>
             <a:endParaRPr lang="en-US" dirty="0"/>
           </a:p>
@@ -4992,7 +5001,7 @@
             <a:fld id="{B61BEF0D-F0BB-DE4B-95CE-6DB70DBA9567}" type="datetimeFigureOut">
               <a:rPr lang="en-US" dirty="0"/>
               <a:pPr/>
-              <a:t>4/6/16</a:t>
+              <a:t>4/20/16</a:t>
             </a:fld>
             <a:endParaRPr lang="en-US" dirty="0"/>
           </a:p>
@@ -7106,7 +7115,7 @@
             <a:fld id="{B61BEF0D-F0BB-DE4B-95CE-6DB70DBA9567}" type="datetimeFigureOut">
               <a:rPr lang="en-US" dirty="0"/>
               <a:pPr/>
-              <a:t>4/6/16</a:t>
+              <a:t>4/20/16</a:t>
             </a:fld>
             <a:endParaRPr lang="en-US" dirty="0"/>
           </a:p>
@@ -7726,6 +7735,465 @@
 </p:sld>
 </file>
 
+<file path=ppt/slides/slide2.xml><?xml version="1.0" encoding="utf-8"?>
+<p:sld xmlns:a="http://schemas.openxmlformats.org/drawingml/2006/main" xmlns:r="http://schemas.openxmlformats.org/officeDocument/2006/relationships" xmlns:p="http://schemas.openxmlformats.org/presentationml/2006/main">
+  <p:cSld>
+    <p:spTree>
+      <p:nvGrpSpPr>
+        <p:cNvPr id="1" name=""/>
+        <p:cNvGrpSpPr/>
+        <p:nvPr/>
+      </p:nvGrpSpPr>
+      <p:grpSpPr>
+        <a:xfrm>
+          <a:off x="0" y="0"/>
+          <a:ext cx="0" cy="0"/>
+          <a:chOff x="0" y="0"/>
+          <a:chExt cx="0" cy="0"/>
+        </a:xfrm>
+      </p:grpSpPr>
+      <p:sp>
+        <p:nvSpPr>
+          <p:cNvPr id="2" name="Title 1"/>
+          <p:cNvSpPr>
+            <a:spLocks noGrp="1"/>
+          </p:cNvSpPr>
+          <p:nvPr>
+            <p:ph type="title"/>
+          </p:nvPr>
+        </p:nvSpPr>
+        <p:spPr/>
+        <p:txBody>
+          <a:bodyPr/>
+          <a:lstStyle/>
+          <a:p>
+            <a:r>
+              <a:rPr lang="en-US" dirty="0" smtClean="0"/>
+              <a:t>Motivation</a:t>
+            </a:r>
+            <a:endParaRPr lang="en-US" dirty="0"/>
+          </a:p>
+        </p:txBody>
+      </p:sp>
+      <p:sp>
+        <p:nvSpPr>
+          <p:cNvPr id="3" name="Content Placeholder 2"/>
+          <p:cNvSpPr>
+            <a:spLocks noGrp="1"/>
+          </p:cNvSpPr>
+          <p:nvPr>
+            <p:ph idx="1"/>
+          </p:nvPr>
+        </p:nvSpPr>
+        <p:spPr/>
+        <p:txBody>
+          <a:bodyPr/>
+          <a:lstStyle/>
+          <a:p>
+            <a:r>
+              <a:rPr lang="en-US" dirty="0" smtClean="0"/>
+              <a:t>Synchronizing accesses to a mobile object in a computer network</a:t>
+            </a:r>
+          </a:p>
+        </p:txBody>
+      </p:sp>
+      <p:pic>
+        <p:nvPicPr>
+          <p:cNvPr id="5" name="Picture 4"/>
+          <p:cNvPicPr>
+            <a:picLocks noChangeAspect="1"/>
+          </p:cNvPicPr>
+          <p:nvPr/>
+        </p:nvPicPr>
+        <p:blipFill>
+          <a:blip r:embed="rId2">
+            <a:extLst>
+              <a:ext uri="{28A0092B-C50C-407E-A947-70E740481C1C}">
+                <a14:useLocalDpi xmlns:a14="http://schemas.microsoft.com/office/drawing/2010/main" val="0"/>
+              </a:ext>
+            </a:extLst>
+          </a:blip>
+          <a:stretch>
+            <a:fillRect/>
+          </a:stretch>
+        </p:blipFill>
+        <p:spPr>
+          <a:xfrm>
+            <a:off x="3911600" y="2875922"/>
+            <a:ext cx="4940300" cy="3263900"/>
+          </a:xfrm>
+          <a:prstGeom prst="rect">
+            <a:avLst/>
+          </a:prstGeom>
+        </p:spPr>
+      </p:pic>
+    </p:spTree>
+    <p:extLst>
+      <p:ext uri="{BB962C8B-B14F-4D97-AF65-F5344CB8AC3E}">
+        <p14:creationId xmlns:p14="http://schemas.microsoft.com/office/powerpoint/2010/main" val="1903560348"/>
+      </p:ext>
+    </p:extLst>
+  </p:cSld>
+  <p:clrMapOvr>
+    <a:masterClrMapping/>
+  </p:clrMapOvr>
+</p:sld>
+</file>
+
+<file path=ppt/slides/slide3.xml><?xml version="1.0" encoding="utf-8"?>
+<p:sld xmlns:a="http://schemas.openxmlformats.org/drawingml/2006/main" xmlns:r="http://schemas.openxmlformats.org/officeDocument/2006/relationships" xmlns:p="http://schemas.openxmlformats.org/presentationml/2006/main">
+  <p:cSld>
+    <p:spTree>
+      <p:nvGrpSpPr>
+        <p:cNvPr id="1" name=""/>
+        <p:cNvGrpSpPr/>
+        <p:nvPr/>
+      </p:nvGrpSpPr>
+      <p:grpSpPr>
+        <a:xfrm>
+          <a:off x="0" y="0"/>
+          <a:ext cx="0" cy="0"/>
+          <a:chOff x="0" y="0"/>
+          <a:chExt cx="0" cy="0"/>
+        </a:xfrm>
+      </p:grpSpPr>
+      <p:sp>
+        <p:nvSpPr>
+          <p:cNvPr id="2" name="Title 1"/>
+          <p:cNvSpPr>
+            <a:spLocks noGrp="1"/>
+          </p:cNvSpPr>
+          <p:nvPr>
+            <p:ph type="title"/>
+          </p:nvPr>
+        </p:nvSpPr>
+        <p:spPr/>
+        <p:txBody>
+          <a:bodyPr/>
+          <a:lstStyle/>
+          <a:p>
+            <a:r>
+              <a:rPr lang="en-US" dirty="0" smtClean="0"/>
+              <a:t>Spanning Tree</a:t>
+            </a:r>
+            <a:endParaRPr lang="en-US" dirty="0"/>
+          </a:p>
+        </p:txBody>
+      </p:sp>
+      <p:sp>
+        <p:nvSpPr>
+          <p:cNvPr id="3" name="Content Placeholder 2"/>
+          <p:cNvSpPr>
+            <a:spLocks noGrp="1"/>
+          </p:cNvSpPr>
+          <p:nvPr>
+            <p:ph idx="1"/>
+          </p:nvPr>
+        </p:nvSpPr>
+        <p:spPr/>
+        <p:txBody>
+          <a:bodyPr/>
+          <a:lstStyle/>
+          <a:p>
+            <a:r>
+              <a:rPr lang="en-US" dirty="0" smtClean="0"/>
+              <a:t>A </a:t>
+            </a:r>
+            <a:r>
+              <a:rPr lang="en-US" dirty="0" err="1" smtClean="0"/>
+              <a:t>subgraph</a:t>
+            </a:r>
+            <a:r>
+              <a:rPr lang="en-US" dirty="0" smtClean="0"/>
+              <a:t> that is a tree which includes all the vertices of a graph</a:t>
+            </a:r>
+          </a:p>
+          <a:p>
+            <a:r>
+              <a:rPr lang="en-US" dirty="0" smtClean="0"/>
+              <a:t>A graph may have many spanning trees, but an unconnected graph will not contain a </a:t>
+            </a:r>
+            <a:r>
+              <a:rPr lang="en-US" smtClean="0"/>
+              <a:t>spanning tree</a:t>
+            </a:r>
+            <a:endParaRPr lang="en-US" dirty="0" smtClean="0"/>
+          </a:p>
+          <a:p>
+            <a:r>
+              <a:rPr lang="en-US" dirty="0" smtClean="0"/>
+              <a:t>Minimum spanning tree</a:t>
+            </a:r>
+          </a:p>
+          <a:p>
+            <a:pPr lvl="1"/>
+            <a:r>
+              <a:rPr lang="en-US" dirty="0" smtClean="0"/>
+              <a:t>Connects all the vertices together with the minimal total weighting for </a:t>
+            </a:r>
+            <a:r>
+              <a:rPr lang="en-US" smtClean="0"/>
+              <a:t>its edges</a:t>
+            </a:r>
+            <a:endParaRPr lang="en-US" dirty="0" smtClean="0"/>
+          </a:p>
+          <a:p>
+            <a:pPr lvl="1"/>
+            <a:r>
+              <a:rPr lang="en-US" dirty="0" smtClean="0"/>
+              <a:t>Prim’s algorithm</a:t>
+            </a:r>
+          </a:p>
+        </p:txBody>
+      </p:sp>
+      <p:pic>
+        <p:nvPicPr>
+          <p:cNvPr id="4" name="Picture 3"/>
+          <p:cNvPicPr>
+            <a:picLocks noChangeAspect="1"/>
+          </p:cNvPicPr>
+          <p:nvPr/>
+        </p:nvPicPr>
+        <p:blipFill>
+          <a:blip r:embed="rId2">
+            <a:extLst>
+              <a:ext uri="{28A0092B-C50C-407E-A947-70E740481C1C}">
+                <a14:useLocalDpi xmlns:a14="http://schemas.microsoft.com/office/drawing/2010/main" val="0"/>
+              </a:ext>
+            </a:extLst>
+          </a:blip>
+          <a:stretch>
+            <a:fillRect/>
+          </a:stretch>
+        </p:blipFill>
+        <p:spPr>
+          <a:xfrm>
+            <a:off x="5613141" y="4215034"/>
+            <a:ext cx="2867542" cy="1924788"/>
+          </a:xfrm>
+          <a:prstGeom prst="rect">
+            <a:avLst/>
+          </a:prstGeom>
+        </p:spPr>
+      </p:pic>
+    </p:spTree>
+    <p:extLst>
+      <p:ext uri="{BB962C8B-B14F-4D97-AF65-F5344CB8AC3E}">
+        <p14:creationId xmlns:p14="http://schemas.microsoft.com/office/powerpoint/2010/main" val="2103529325"/>
+      </p:ext>
+    </p:extLst>
+  </p:cSld>
+  <p:clrMapOvr>
+    <a:masterClrMapping/>
+  </p:clrMapOvr>
+</p:sld>
+</file>
+
+<file path=ppt/slides/slide4.xml><?xml version="1.0" encoding="utf-8"?>
+<p:sld xmlns:a="http://schemas.openxmlformats.org/drawingml/2006/main" xmlns:r="http://schemas.openxmlformats.org/officeDocument/2006/relationships" xmlns:p="http://schemas.openxmlformats.org/presentationml/2006/main">
+  <p:cSld>
+    <p:spTree>
+      <p:nvGrpSpPr>
+        <p:cNvPr id="1" name=""/>
+        <p:cNvGrpSpPr/>
+        <p:nvPr/>
+      </p:nvGrpSpPr>
+      <p:grpSpPr>
+        <a:xfrm>
+          <a:off x="0" y="0"/>
+          <a:ext cx="0" cy="0"/>
+          <a:chOff x="0" y="0"/>
+          <a:chExt cx="0" cy="0"/>
+        </a:xfrm>
+      </p:grpSpPr>
+      <p:sp>
+        <p:nvSpPr>
+          <p:cNvPr id="2" name="Title 1"/>
+          <p:cNvSpPr>
+            <a:spLocks noGrp="1"/>
+          </p:cNvSpPr>
+          <p:nvPr>
+            <p:ph type="title"/>
+          </p:nvPr>
+        </p:nvSpPr>
+        <p:spPr/>
+        <p:txBody>
+          <a:bodyPr/>
+          <a:lstStyle/>
+          <a:p>
+            <a:r>
+              <a:rPr lang="en-US" dirty="0" smtClean="0"/>
+              <a:t>Arrow Protocol</a:t>
+            </a:r>
+            <a:endParaRPr lang="en-US" dirty="0"/>
+          </a:p>
+        </p:txBody>
+      </p:sp>
+      <p:sp>
+        <p:nvSpPr>
+          <p:cNvPr id="3" name="Content Placeholder 2"/>
+          <p:cNvSpPr>
+            <a:spLocks noGrp="1"/>
+          </p:cNvSpPr>
+          <p:nvPr>
+            <p:ph idx="1"/>
+          </p:nvPr>
+        </p:nvSpPr>
+        <p:spPr/>
+        <p:txBody>
+          <a:bodyPr/>
+          <a:lstStyle/>
+          <a:p>
+            <a:r>
+              <a:rPr lang="en-US" dirty="0" smtClean="0"/>
+              <a:t>Simple distributed queuing protocol based on path reversal on a network spanning tree</a:t>
+            </a:r>
+          </a:p>
+          <a:p>
+            <a:r>
+              <a:rPr lang="en-US" dirty="0" smtClean="0"/>
+              <a:t>Used to manage mobile objects and has outperformed conventional directory schemes under high contention</a:t>
+            </a:r>
+          </a:p>
+          <a:p>
+            <a:r>
+              <a:rPr lang="en-US" dirty="0" smtClean="0"/>
+              <a:t>Not fault tolerant because it assumes that nodes and links never fail</a:t>
+            </a:r>
+          </a:p>
+          <a:p>
+            <a:pPr lvl="1"/>
+            <a:r>
+              <a:rPr lang="en-US" dirty="0" smtClean="0"/>
+              <a:t>Lost messages</a:t>
+            </a:r>
+          </a:p>
+          <a:p>
+            <a:pPr lvl="1"/>
+            <a:r>
+              <a:rPr lang="en-US" dirty="0" smtClean="0"/>
+              <a:t>Edge failures</a:t>
+            </a:r>
+          </a:p>
+          <a:p>
+            <a:pPr lvl="1"/>
+            <a:r>
+              <a:rPr lang="en-US" dirty="0" smtClean="0"/>
+              <a:t>Node failures</a:t>
+            </a:r>
+            <a:endParaRPr lang="en-US" dirty="0"/>
+          </a:p>
+        </p:txBody>
+      </p:sp>
+    </p:spTree>
+    <p:extLst>
+      <p:ext uri="{BB962C8B-B14F-4D97-AF65-F5344CB8AC3E}">
+        <p14:creationId xmlns:p14="http://schemas.microsoft.com/office/powerpoint/2010/main" val="168806076"/>
+      </p:ext>
+    </p:extLst>
+  </p:cSld>
+  <p:clrMapOvr>
+    <a:masterClrMapping/>
+  </p:clrMapOvr>
+</p:sld>
+</file>
+
+<file path=ppt/slides/slide5.xml><?xml version="1.0" encoding="utf-8"?>
+<p:sld xmlns:a="http://schemas.openxmlformats.org/drawingml/2006/main" xmlns:r="http://schemas.openxmlformats.org/officeDocument/2006/relationships" xmlns:p="http://schemas.openxmlformats.org/presentationml/2006/main">
+  <p:cSld>
+    <p:spTree>
+      <p:nvGrpSpPr>
+        <p:cNvPr id="1" name=""/>
+        <p:cNvGrpSpPr/>
+        <p:nvPr/>
+      </p:nvGrpSpPr>
+      <p:grpSpPr>
+        <a:xfrm>
+          <a:off x="0" y="0"/>
+          <a:ext cx="0" cy="0"/>
+          <a:chOff x="0" y="0"/>
+          <a:chExt cx="0" cy="0"/>
+        </a:xfrm>
+      </p:grpSpPr>
+      <p:sp>
+        <p:nvSpPr>
+          <p:cNvPr id="2" name="Title 1"/>
+          <p:cNvSpPr>
+            <a:spLocks noGrp="1"/>
+          </p:cNvSpPr>
+          <p:nvPr>
+            <p:ph type="title"/>
+          </p:nvPr>
+        </p:nvSpPr>
+        <p:spPr/>
+        <p:txBody>
+          <a:bodyPr/>
+          <a:lstStyle/>
+          <a:p>
+            <a:r>
+              <a:rPr lang="en-US" dirty="0" smtClean="0"/>
+              <a:t>Self Stabilization</a:t>
+            </a:r>
+            <a:endParaRPr lang="en-US" dirty="0"/>
+          </a:p>
+        </p:txBody>
+      </p:sp>
+      <p:sp>
+        <p:nvSpPr>
+          <p:cNvPr id="3" name="Content Placeholder 2"/>
+          <p:cNvSpPr>
+            <a:spLocks noGrp="1"/>
+          </p:cNvSpPr>
+          <p:nvPr>
+            <p:ph idx="1"/>
+          </p:nvPr>
+        </p:nvSpPr>
+        <p:spPr/>
+        <p:txBody>
+          <a:bodyPr/>
+          <a:lstStyle/>
+          <a:p>
+            <a:r>
+              <a:rPr lang="en-US" dirty="0" smtClean="0"/>
+              <a:t>A unified approach to fault tolerance of the arrow protocol</a:t>
+            </a:r>
+          </a:p>
+          <a:p>
+            <a:r>
+              <a:rPr lang="en-US" dirty="0" smtClean="0"/>
+              <a:t>If starting from an arbitrary initial global state, it eventually reaches a legal global state</a:t>
+            </a:r>
+          </a:p>
+          <a:p>
+            <a:r>
+              <a:rPr lang="en-US" dirty="0" smtClean="0"/>
+              <a:t>A general correctness condition</a:t>
+            </a:r>
+          </a:p>
+          <a:p>
+            <a:r>
+              <a:rPr lang="en-US" dirty="0" smtClean="0"/>
+              <a:t>Stable and local</a:t>
+            </a:r>
+          </a:p>
+          <a:p>
+            <a:endParaRPr lang="en-US" dirty="0"/>
+          </a:p>
+        </p:txBody>
+      </p:sp>
+    </p:spTree>
+    <p:extLst>
+      <p:ext uri="{BB962C8B-B14F-4D97-AF65-F5344CB8AC3E}">
+        <p14:creationId xmlns:p14="http://schemas.microsoft.com/office/powerpoint/2010/main" val="1032768363"/>
+      </p:ext>
+    </p:extLst>
+  </p:cSld>
+  <p:clrMapOvr>
+    <a:masterClrMapping/>
+  </p:clrMapOvr>
+</p:sld>
+</file>
+
 <file path=ppt/theme/theme1.xml><?xml version="1.0" encoding="utf-8"?>
 <a:theme xmlns:a="http://schemas.openxmlformats.org/drawingml/2006/main" name="Wisp">
   <a:themeElements>
